--- a/MathSlides.Present/wwwroot/Templates/Template.pptx
+++ b/MathSlides.Present/wwwroot/Templates/Template.pptx
@@ -315,7 +315,7 @@
             <a:fld id="{1D8BD707-D9CF-40AE-B4C6-C98DA3205C09}" type="datetimeFigureOut">
               <a:rPr lang="en-US" smtClean="0"/>
               <a:pPr/>
-              <a:t>11/17/2025</a:t>
+              <a:t>11/18/2025</a:t>
             </a:fld>
             <a:endParaRPr lang="en-US"/>
           </a:p>
@@ -480,7 +480,7 @@
             <a:fld id="{1D8BD707-D9CF-40AE-B4C6-C98DA3205C09}" type="datetimeFigureOut">
               <a:rPr lang="en-US" smtClean="0"/>
               <a:pPr/>
-              <a:t>11/17/2025</a:t>
+              <a:t>11/18/2025</a:t>
             </a:fld>
             <a:endParaRPr lang="en-US"/>
           </a:p>
@@ -655,7 +655,7 @@
             <a:fld id="{1D8BD707-D9CF-40AE-B4C6-C98DA3205C09}" type="datetimeFigureOut">
               <a:rPr lang="en-US" smtClean="0"/>
               <a:pPr/>
-              <a:t>11/17/2025</a:t>
+              <a:t>11/18/2025</a:t>
             </a:fld>
             <a:endParaRPr lang="en-US"/>
           </a:p>
@@ -820,7 +820,7 @@
             <a:fld id="{1D8BD707-D9CF-40AE-B4C6-C98DA3205C09}" type="datetimeFigureOut">
               <a:rPr lang="en-US" smtClean="0"/>
               <a:pPr/>
-              <a:t>11/17/2025</a:t>
+              <a:t>11/18/2025</a:t>
             </a:fld>
             <a:endParaRPr lang="en-US"/>
           </a:p>
@@ -1062,7 +1062,7 @@
             <a:fld id="{1D8BD707-D9CF-40AE-B4C6-C98DA3205C09}" type="datetimeFigureOut">
               <a:rPr lang="en-US" smtClean="0"/>
               <a:pPr/>
-              <a:t>11/17/2025</a:t>
+              <a:t>11/18/2025</a:t>
             </a:fld>
             <a:endParaRPr lang="en-US"/>
           </a:p>
@@ -1344,7 +1344,7 @@
             <a:fld id="{1D8BD707-D9CF-40AE-B4C6-C98DA3205C09}" type="datetimeFigureOut">
               <a:rPr lang="en-US" smtClean="0"/>
               <a:pPr/>
-              <a:t>11/17/2025</a:t>
+              <a:t>11/18/2025</a:t>
             </a:fld>
             <a:endParaRPr lang="en-US"/>
           </a:p>
@@ -1760,7 +1760,7 @@
             <a:fld id="{1D8BD707-D9CF-40AE-B4C6-C98DA3205C09}" type="datetimeFigureOut">
               <a:rPr lang="en-US" smtClean="0"/>
               <a:pPr/>
-              <a:t>11/17/2025</a:t>
+              <a:t>11/18/2025</a:t>
             </a:fld>
             <a:endParaRPr lang="en-US"/>
           </a:p>
@@ -1874,7 +1874,7 @@
             <a:fld id="{1D8BD707-D9CF-40AE-B4C6-C98DA3205C09}" type="datetimeFigureOut">
               <a:rPr lang="en-US" smtClean="0"/>
               <a:pPr/>
-              <a:t>11/17/2025</a:t>
+              <a:t>11/18/2025</a:t>
             </a:fld>
             <a:endParaRPr lang="en-US"/>
           </a:p>
@@ -1966,7 +1966,7 @@
             <a:fld id="{1D8BD707-D9CF-40AE-B4C6-C98DA3205C09}" type="datetimeFigureOut">
               <a:rPr lang="en-US" smtClean="0"/>
               <a:pPr/>
-              <a:t>11/17/2025</a:t>
+              <a:t>11/18/2025</a:t>
             </a:fld>
             <a:endParaRPr lang="en-US"/>
           </a:p>
@@ -2238,7 +2238,7 @@
             <a:fld id="{1D8BD707-D9CF-40AE-B4C6-C98DA3205C09}" type="datetimeFigureOut">
               <a:rPr lang="en-US" smtClean="0"/>
               <a:pPr/>
-              <a:t>11/17/2025</a:t>
+              <a:t>11/18/2025</a:t>
             </a:fld>
             <a:endParaRPr lang="en-US"/>
           </a:p>
@@ -2487,7 +2487,7 @@
             <a:fld id="{1D8BD707-D9CF-40AE-B4C6-C98DA3205C09}" type="datetimeFigureOut">
               <a:rPr lang="en-US" smtClean="0"/>
               <a:pPr/>
-              <a:t>11/17/2025</a:t>
+              <a:t>11/18/2025</a:t>
             </a:fld>
             <a:endParaRPr lang="en-US"/>
           </a:p>
@@ -2695,7 +2695,7 @@
             <a:fld id="{1D8BD707-D9CF-40AE-B4C6-C98DA3205C09}" type="datetimeFigureOut">
               <a:rPr lang="en-US" smtClean="0"/>
               <a:pPr/>
-              <a:t>11/17/2025</a:t>
+              <a:t>11/18/2025</a:t>
             </a:fld>
             <a:endParaRPr lang="en-US"/>
           </a:p>
@@ -3661,8 +3661,8 @@
               </a:lnSpc>
             </a:pPr>
             <a:r>
-              <a:rPr lang="en-US" sz="4800" dirty="0" err="1"/>
-              <a:t>lop_trang_mot</a:t>
+              <a:rPr lang="vi-VN" sz="4800" dirty="0"/>
+              <a:t>a3</a:t>
             </a:r>
             <a:endParaRPr lang="en-US" sz="4800" spc="84" dirty="0">
               <a:solidFill>
@@ -3761,8 +3761,8 @@
           <a:lstStyle/>
           <a:p>
             <a:r>
-              <a:rPr lang="en-US" sz="4400" dirty="0" err="1"/>
-              <a:t>tieu_de_trang_mot</a:t>
+              <a:rPr lang="vi-VN" sz="4400" dirty="0"/>
+              <a:t>a2</a:t>
             </a:r>
             <a:endParaRPr lang="en-US" sz="4400" dirty="0"/>
           </a:p>
@@ -3798,8 +3798,8 @@
           <a:p>
             <a:pPr algn="ctr"/>
             <a:r>
-              <a:rPr lang="en-US" sz="2800" dirty="0" err="1"/>
-              <a:t>noi_dung_dau_bai</a:t>
+              <a:rPr lang="vi-VN" sz="2800" dirty="0"/>
+              <a:t>a4</a:t>
             </a:r>
             <a:endParaRPr lang="en-US" sz="2800" dirty="0"/>
           </a:p>
@@ -3837,8 +3837,8 @@
           <a:p>
             <a:pPr algn="ctr"/>
             <a:r>
-              <a:rPr lang="en-US" sz="8000" dirty="0" err="1"/>
-              <a:t>chu_de_trang_mot</a:t>
+              <a:rPr lang="vi-VN" sz="8000" dirty="0"/>
+              <a:t>a1</a:t>
             </a:r>
             <a:endParaRPr lang="en-US" sz="8000" dirty="0"/>
           </a:p>
@@ -4144,54 +4144,6 @@
       </p:sp>
       <p:sp>
         <p:nvSpPr>
-          <p:cNvPr id="3" name="tpl_StrandName">
-            <a:extLst>
-              <a:ext uri="{FF2B5EF4-FFF2-40B4-BE49-F238E27FC236}">
-                <a16:creationId xmlns:a16="http://schemas.microsoft.com/office/drawing/2014/main" id="{C031D004-2269-1C67-4731-92683ED4D2F4}"/>
-              </a:ext>
-            </a:extLst>
-          </p:cNvPr>
-          <p:cNvSpPr txBox="1"/>
-          <p:nvPr/>
-        </p:nvSpPr>
-        <p:spPr>
-          <a:xfrm>
-            <a:off x="6996545" y="1907915"/>
-            <a:ext cx="4216412" cy="299441"/>
-          </a:xfrm>
-          <a:prstGeom prst="rect">
-            <a:avLst/>
-          </a:prstGeom>
-        </p:spPr>
-        <p:txBody>
-          <a:bodyPr lIns="0" tIns="0" rIns="0" bIns="0" rtlCol="0" anchor="t">
-            <a:spAutoFit/>
-          </a:bodyPr>
-          <a:lstStyle/>
-          <a:p>
-            <a:pPr>
-              <a:lnSpc>
-                <a:spcPts val="1960"/>
-              </a:lnSpc>
-            </a:pPr>
-            <a:r>
-              <a:rPr lang="en-US" sz="3200" dirty="0" err="1"/>
-              <a:t>noi_dung_trang_hai</a:t>
-            </a:r>
-            <a:endParaRPr lang="en-US" sz="3200" b="1" spc="210" dirty="0">
-              <a:solidFill>
-                <a:srgbClr val="202020"/>
-              </a:solidFill>
-              <a:latin typeface="Glacial Indifference Bold"/>
-              <a:ea typeface="Glacial Indifference Bold"/>
-              <a:cs typeface="Glacial Indifference Bold"/>
-              <a:sym typeface="Glacial Indifference Bold"/>
-            </a:endParaRPr>
-          </a:p>
-        </p:txBody>
-      </p:sp>
-      <p:sp>
-        <p:nvSpPr>
           <p:cNvPr id="6" name="tpl_ContentSummary">
             <a:extLst>
               <a:ext uri="{FF2B5EF4-FFF2-40B4-BE49-F238E27FC236}">
@@ -4223,8 +4175,16 @@
               </a:lnSpc>
             </a:pPr>
             <a:r>
-              <a:rPr lang="en-US" sz="7200" dirty="0" err="1"/>
-              <a:t>tieu_de_trang_hai</a:t>
+              <a:rPr lang="vi-VN" sz="7200" b="1" spc="210" dirty="0">
+                <a:solidFill>
+                  <a:srgbClr val="202020"/>
+                </a:solidFill>
+                <a:latin typeface="Glacial Indifference Bold"/>
+                <a:ea typeface="Glacial Indifference Bold"/>
+                <a:cs typeface="Glacial Indifference Bold"/>
+                <a:sym typeface="Glacial Indifference Bold"/>
+              </a:rPr>
+              <a:t>b1</a:t>
             </a:r>
             <a:endParaRPr lang="en-US" sz="7200" b="1" spc="210" dirty="0">
               <a:solidFill>
@@ -4272,19 +4232,7 @@
             </a:pPr>
             <a:r>
               <a:rPr lang="vi-VN" sz="4000" dirty="0"/>
-              <a:t>n</a:t>
-            </a:r>
-            <a:r>
-              <a:rPr lang="en-US" sz="4000" dirty="0" err="1"/>
-              <a:t>guon_thong</a:t>
-            </a:r>
-            <a:r>
-              <a:rPr lang="en-US" sz="4000" dirty="0"/>
-              <a:t>_</a:t>
-            </a:r>
-            <a:r>
-              <a:rPr lang="vi-VN" sz="4000" dirty="0"/>
-              <a:t>tin_trang_hai</a:t>
+              <a:t>b4</a:t>
             </a:r>
             <a:endParaRPr lang="en-US" sz="4000" b="1" spc="210" dirty="0">
               <a:solidFill>
@@ -4398,12 +4346,8 @@
               </a:lnSpc>
             </a:pPr>
             <a:r>
-              <a:rPr lang="en-US" sz="4400" dirty="0"/>
-              <a:t>vi_</a:t>
-            </a:r>
-            <a:r>
               <a:rPr lang="vi-VN" sz="4400" dirty="0"/>
-              <a:t>du_trang_hai</a:t>
+              <a:t>b3</a:t>
             </a:r>
             <a:endParaRPr lang="en-US" sz="4400" b="1" spc="210" dirty="0">
               <a:solidFill>
@@ -4450,16 +4394,8 @@
               </a:lnSpc>
             </a:pPr>
             <a:r>
-              <a:rPr lang="en-US" sz="4000" dirty="0" err="1"/>
-              <a:t>cong</a:t>
-            </a:r>
-            <a:r>
-              <a:rPr lang="en-US" sz="4000" dirty="0"/>
-              <a:t>_</a:t>
-            </a:r>
-            <a:r>
               <a:rPr lang="vi-VN" sz="4000" dirty="0"/>
-              <a:t>thuc_trang_hai</a:t>
+              <a:t>b2</a:t>
             </a:r>
             <a:endParaRPr lang="en-US" sz="4000" b="1" spc="210" dirty="0">
               <a:solidFill>
@@ -4533,13 +4469,13 @@
               </a:lnSpc>
             </a:pPr>
             <a:r>
-              <a:rPr lang="en-US" sz="5400" spc="42" dirty="0" err="1">
+              <a:rPr lang="vi-VN" sz="5400" spc="42" dirty="0">
                 <a:latin typeface="Glacial Indifference"/>
                 <a:ea typeface="Glacial Indifference"/>
                 <a:cs typeface="Glacial Indifference"/>
                 <a:sym typeface="Glacial Indifference"/>
               </a:rPr>
-              <a:t>tieu_de_trang_ba</a:t>
+              <a:t>c1</a:t>
             </a:r>
             <a:endParaRPr lang="en-US" sz="5400" spc="42" dirty="0">
               <a:latin typeface="Glacial Indifference"/>
@@ -4577,8 +4513,8 @@
               </a:lnSpc>
             </a:pPr>
             <a:r>
-              <a:rPr lang="en-US" sz="4800" dirty="0" err="1"/>
-              <a:t>noi_dung_trang_ba</a:t>
+              <a:rPr lang="vi-VN" sz="4800" dirty="0"/>
+              <a:t>c2</a:t>
             </a:r>
             <a:endParaRPr lang="en-US" sz="4800" spc="42" dirty="0">
               <a:solidFill>
@@ -4619,8 +4555,8 @@
               </a:lnSpc>
             </a:pPr>
             <a:r>
-              <a:rPr lang="en-US" sz="3200" dirty="0" err="1"/>
-              <a:t>cong_thuc_trang_ba</a:t>
+              <a:rPr lang="vi-VN" sz="3200" dirty="0"/>
+              <a:t>c3</a:t>
             </a:r>
             <a:endParaRPr lang="en-US" sz="3200" dirty="0">
               <a:solidFill>
